--- a/Bug Tracing System.pptx
+++ b/Bug Tracing System.pptx
@@ -13,6 +13,9 @@
     <p:sldId id="261" r:id="rId7"/>
     <p:sldId id="262" r:id="rId8"/>
     <p:sldId id="263" r:id="rId9"/>
+    <p:sldId id="264" r:id="rId10"/>
+    <p:sldId id="266" r:id="rId11"/>
+    <p:sldId id="265" r:id="rId12"/>
   </p:sldIdLst>
   <p:sldSz cx="9144000" cy="6858000" type="screen4x3"/>
   <p:notesSz cx="6858000" cy="9144000"/>
@@ -111,6 +114,22 @@
       </a:defRPr>
     </a:lvl9pPr>
   </p:defaultTextStyle>
+  <p:extLst>
+    <p:ext uri="{EFAFB233-063F-42B5-8137-9DF3F51BA10A}">
+      <p15:sldGuideLst xmlns:p15="http://schemas.microsoft.com/office/powerpoint/2012/main">
+        <p15:guide id="1" orient="horz" pos="2160">
+          <p15:clr>
+            <a:srgbClr val="A4A3A4"/>
+          </p15:clr>
+        </p15:guide>
+        <p15:guide id="2" pos="2880">
+          <p15:clr>
+            <a:srgbClr val="A4A3A4"/>
+          </p15:clr>
+        </p15:guide>
+      </p15:sldGuideLst>
+    </p:ext>
+  </p:extLst>
 </p:presentation>
 </file>
 
@@ -163,7 +182,7 @@
           </a:lstStyle>
           <a:p>
             <a:r>
-              <a:rPr lang="en-US" smtClean="0"/>
+              <a:rPr lang="en-US"/>
               <a:t>Click to edit Master title style</a:t>
             </a:r>
             <a:endParaRPr lang="en-US" dirty="0"/>
@@ -284,7 +303,7 @@
           </a:lstStyle>
           <a:p>
             <a:r>
-              <a:rPr lang="en-US" smtClean="0"/>
+              <a:rPr lang="en-US"/>
               <a:t>Click to edit Master subtitle style</a:t>
             </a:r>
             <a:endParaRPr lang="en-US" dirty="0"/>
@@ -397,10 +416,9 @@
           <a:lstStyle/>
           <a:p>
             <a:r>
-              <a:rPr lang="en-US" smtClean="0"/>
+              <a:rPr lang="en-US"/>
               <a:t>Click to edit Master title style</a:t>
             </a:r>
-            <a:endParaRPr lang="en-US"/>
           </a:p>
         </p:txBody>
       </p:sp>
@@ -421,38 +439,37 @@
           <a:p>
             <a:pPr lvl="0"/>
             <a:r>
-              <a:rPr lang="en-US" smtClean="0"/>
+              <a:rPr lang="en-US"/>
               <a:t>Click to edit Master text styles</a:t>
             </a:r>
           </a:p>
           <a:p>
             <a:pPr lvl="1"/>
             <a:r>
-              <a:rPr lang="en-US" smtClean="0"/>
+              <a:rPr lang="en-US"/>
               <a:t>Second level</a:t>
             </a:r>
           </a:p>
           <a:p>
             <a:pPr lvl="2"/>
             <a:r>
-              <a:rPr lang="en-US" smtClean="0"/>
+              <a:rPr lang="en-US"/>
               <a:t>Third level</a:t>
             </a:r>
           </a:p>
           <a:p>
             <a:pPr lvl="3"/>
             <a:r>
-              <a:rPr lang="en-US" smtClean="0"/>
+              <a:rPr lang="en-US"/>
               <a:t>Fourth level</a:t>
             </a:r>
           </a:p>
           <a:p>
             <a:pPr lvl="4"/>
             <a:r>
-              <a:rPr lang="en-US" smtClean="0"/>
+              <a:rPr lang="en-US"/>
               <a:t>Fifth level</a:t>
             </a:r>
-            <a:endParaRPr lang="en-US"/>
           </a:p>
         </p:txBody>
       </p:sp>
@@ -567,7 +584,7 @@
           <a:lstStyle/>
           <a:p>
             <a:r>
-              <a:rPr lang="en-US" smtClean="0"/>
+              <a:rPr lang="en-US"/>
               <a:t>Click to edit Master title style</a:t>
             </a:r>
             <a:endParaRPr lang="en-US" dirty="0"/>
@@ -596,38 +613,37 @@
           <a:p>
             <a:pPr lvl="0"/>
             <a:r>
-              <a:rPr lang="en-US" smtClean="0"/>
+              <a:rPr lang="en-US"/>
               <a:t>Click to edit Master text styles</a:t>
             </a:r>
           </a:p>
           <a:p>
             <a:pPr lvl="1"/>
             <a:r>
-              <a:rPr lang="en-US" smtClean="0"/>
+              <a:rPr lang="en-US"/>
               <a:t>Second level</a:t>
             </a:r>
           </a:p>
           <a:p>
             <a:pPr lvl="2"/>
             <a:r>
-              <a:rPr lang="en-US" smtClean="0"/>
+              <a:rPr lang="en-US"/>
               <a:t>Third level</a:t>
             </a:r>
           </a:p>
           <a:p>
             <a:pPr lvl="3"/>
             <a:r>
-              <a:rPr lang="en-US" smtClean="0"/>
+              <a:rPr lang="en-US"/>
               <a:t>Fourth level</a:t>
             </a:r>
           </a:p>
           <a:p>
             <a:pPr lvl="4"/>
             <a:r>
-              <a:rPr lang="en-US" smtClean="0"/>
+              <a:rPr lang="en-US"/>
               <a:t>Fifth level</a:t>
             </a:r>
-            <a:endParaRPr lang="en-US"/>
           </a:p>
         </p:txBody>
       </p:sp>
@@ -737,10 +753,9 @@
           <a:lstStyle/>
           <a:p>
             <a:r>
-              <a:rPr lang="en-US" smtClean="0"/>
+              <a:rPr lang="en-US"/>
               <a:t>Click to edit Master title style</a:t>
             </a:r>
-            <a:endParaRPr lang="en-US"/>
           </a:p>
         </p:txBody>
       </p:sp>
@@ -761,38 +776,37 @@
           <a:p>
             <a:pPr lvl="0"/>
             <a:r>
-              <a:rPr lang="en-US" smtClean="0"/>
+              <a:rPr lang="en-US"/>
               <a:t>Click to edit Master text styles</a:t>
             </a:r>
           </a:p>
           <a:p>
             <a:pPr lvl="1"/>
             <a:r>
-              <a:rPr lang="en-US" smtClean="0"/>
+              <a:rPr lang="en-US"/>
               <a:t>Second level</a:t>
             </a:r>
           </a:p>
           <a:p>
             <a:pPr lvl="2"/>
             <a:r>
-              <a:rPr lang="en-US" smtClean="0"/>
+              <a:rPr lang="en-US"/>
               <a:t>Third level</a:t>
             </a:r>
           </a:p>
           <a:p>
             <a:pPr lvl="3"/>
             <a:r>
-              <a:rPr lang="en-US" smtClean="0"/>
+              <a:rPr lang="en-US"/>
               <a:t>Fourth level</a:t>
             </a:r>
           </a:p>
           <a:p>
             <a:pPr lvl="4"/>
             <a:r>
-              <a:rPr lang="en-US" smtClean="0"/>
+              <a:rPr lang="en-US"/>
               <a:t>Fifth level</a:t>
             </a:r>
-            <a:endParaRPr lang="en-US"/>
           </a:p>
         </p:txBody>
       </p:sp>
@@ -911,7 +925,7 @@
           </a:lstStyle>
           <a:p>
             <a:r>
-              <a:rPr lang="en-US" smtClean="0"/>
+              <a:rPr lang="en-US"/>
               <a:t>Click to edit Master title style</a:t>
             </a:r>
             <a:endParaRPr lang="en-US" dirty="0"/>
@@ -1031,7 +1045,7 @@
           <a:p>
             <a:pPr lvl="0"/>
             <a:r>
-              <a:rPr lang="en-US" smtClean="0"/>
+              <a:rPr lang="en-US"/>
               <a:t>Click to edit Master text styles</a:t>
             </a:r>
           </a:p>
@@ -1143,10 +1157,9 @@
           <a:lstStyle/>
           <a:p>
             <a:r>
-              <a:rPr lang="en-US" smtClean="0"/>
+              <a:rPr lang="en-US"/>
               <a:t>Click to edit Master title style</a:t>
             </a:r>
-            <a:endParaRPr lang="en-US"/>
           </a:p>
         </p:txBody>
       </p:sp>
@@ -1200,35 +1213,35 @@
           <a:p>
             <a:pPr lvl="0"/>
             <a:r>
-              <a:rPr lang="en-US" smtClean="0"/>
+              <a:rPr lang="en-US"/>
               <a:t>Click to edit Master text styles</a:t>
             </a:r>
           </a:p>
           <a:p>
             <a:pPr lvl="1"/>
             <a:r>
-              <a:rPr lang="en-US" smtClean="0"/>
+              <a:rPr lang="en-US"/>
               <a:t>Second level</a:t>
             </a:r>
           </a:p>
           <a:p>
             <a:pPr lvl="2"/>
             <a:r>
-              <a:rPr lang="en-US" smtClean="0"/>
+              <a:rPr lang="en-US"/>
               <a:t>Third level</a:t>
             </a:r>
           </a:p>
           <a:p>
             <a:pPr lvl="3"/>
             <a:r>
-              <a:rPr lang="en-US" smtClean="0"/>
+              <a:rPr lang="en-US"/>
               <a:t>Fourth level</a:t>
             </a:r>
           </a:p>
           <a:p>
             <a:pPr lvl="4"/>
             <a:r>
-              <a:rPr lang="en-US" smtClean="0"/>
+              <a:rPr lang="en-US"/>
               <a:t>Fifth level</a:t>
             </a:r>
             <a:endParaRPr lang="en-US" dirty="0"/>
@@ -1285,35 +1298,35 @@
           <a:p>
             <a:pPr lvl="0"/>
             <a:r>
-              <a:rPr lang="en-US" smtClean="0"/>
+              <a:rPr lang="en-US"/>
               <a:t>Click to edit Master text styles</a:t>
             </a:r>
           </a:p>
           <a:p>
             <a:pPr lvl="1"/>
             <a:r>
-              <a:rPr lang="en-US" smtClean="0"/>
+              <a:rPr lang="en-US"/>
               <a:t>Second level</a:t>
             </a:r>
           </a:p>
           <a:p>
             <a:pPr lvl="2"/>
             <a:r>
-              <a:rPr lang="en-US" smtClean="0"/>
+              <a:rPr lang="en-US"/>
               <a:t>Third level</a:t>
             </a:r>
           </a:p>
           <a:p>
             <a:pPr lvl="3"/>
             <a:r>
-              <a:rPr lang="en-US" smtClean="0"/>
+              <a:rPr lang="en-US"/>
               <a:t>Fourth level</a:t>
             </a:r>
           </a:p>
           <a:p>
             <a:pPr lvl="4"/>
             <a:r>
-              <a:rPr lang="en-US" smtClean="0"/>
+              <a:rPr lang="en-US"/>
               <a:t>Fifth level</a:t>
             </a:r>
             <a:endParaRPr lang="en-US" dirty="0"/>
@@ -1430,10 +1443,9 @@
           </a:lstStyle>
           <a:p>
             <a:r>
-              <a:rPr lang="en-US" smtClean="0"/>
+              <a:rPr lang="en-US"/>
               <a:t>Click to edit Master title style</a:t>
             </a:r>
-            <a:endParaRPr lang="en-US"/>
           </a:p>
         </p:txBody>
       </p:sp>
@@ -1502,7 +1514,7 @@
           <a:p>
             <a:pPr lvl="0"/>
             <a:r>
-              <a:rPr lang="en-US" smtClean="0"/>
+              <a:rPr lang="en-US"/>
               <a:t>Click to edit Master text styles</a:t>
             </a:r>
           </a:p>
@@ -1558,35 +1570,35 @@
           <a:p>
             <a:pPr lvl="0"/>
             <a:r>
-              <a:rPr lang="en-US" smtClean="0"/>
+              <a:rPr lang="en-US"/>
               <a:t>Click to edit Master text styles</a:t>
             </a:r>
           </a:p>
           <a:p>
             <a:pPr lvl="1"/>
             <a:r>
-              <a:rPr lang="en-US" smtClean="0"/>
+              <a:rPr lang="en-US"/>
               <a:t>Second level</a:t>
             </a:r>
           </a:p>
           <a:p>
             <a:pPr lvl="2"/>
             <a:r>
-              <a:rPr lang="en-US" smtClean="0"/>
+              <a:rPr lang="en-US"/>
               <a:t>Third level</a:t>
             </a:r>
           </a:p>
           <a:p>
             <a:pPr lvl="3"/>
             <a:r>
-              <a:rPr lang="en-US" smtClean="0"/>
+              <a:rPr lang="en-US"/>
               <a:t>Fourth level</a:t>
             </a:r>
           </a:p>
           <a:p>
             <a:pPr lvl="4"/>
             <a:r>
-              <a:rPr lang="en-US" smtClean="0"/>
+              <a:rPr lang="en-US"/>
               <a:t>Fifth level</a:t>
             </a:r>
             <a:endParaRPr lang="en-US" dirty="0"/>
@@ -1658,7 +1670,7 @@
           <a:p>
             <a:pPr lvl="0"/>
             <a:r>
-              <a:rPr lang="en-US" smtClean="0"/>
+              <a:rPr lang="en-US"/>
               <a:t>Click to edit Master text styles</a:t>
             </a:r>
           </a:p>
@@ -1714,38 +1726,37 @@
           <a:p>
             <a:pPr lvl="0"/>
             <a:r>
-              <a:rPr lang="en-US" smtClean="0"/>
+              <a:rPr lang="en-US"/>
               <a:t>Click to edit Master text styles</a:t>
             </a:r>
           </a:p>
           <a:p>
             <a:pPr lvl="1"/>
             <a:r>
-              <a:rPr lang="en-US" smtClean="0"/>
+              <a:rPr lang="en-US"/>
               <a:t>Second level</a:t>
             </a:r>
           </a:p>
           <a:p>
             <a:pPr lvl="2"/>
             <a:r>
-              <a:rPr lang="en-US" smtClean="0"/>
+              <a:rPr lang="en-US"/>
               <a:t>Third level</a:t>
             </a:r>
           </a:p>
           <a:p>
             <a:pPr lvl="3"/>
             <a:r>
-              <a:rPr lang="en-US" smtClean="0"/>
+              <a:rPr lang="en-US"/>
               <a:t>Fourth level</a:t>
             </a:r>
           </a:p>
           <a:p>
             <a:pPr lvl="4"/>
             <a:r>
-              <a:rPr lang="en-US" smtClean="0"/>
+              <a:rPr lang="en-US"/>
               <a:t>Fifth level</a:t>
             </a:r>
-            <a:endParaRPr lang="en-US"/>
           </a:p>
         </p:txBody>
       </p:sp>
@@ -1855,10 +1866,9 @@
           <a:lstStyle/>
           <a:p>
             <a:r>
-              <a:rPr lang="en-US" smtClean="0"/>
+              <a:rPr lang="en-US"/>
               <a:t>Click to edit Master title style</a:t>
             </a:r>
-            <a:endParaRPr lang="en-US"/>
           </a:p>
         </p:txBody>
       </p:sp>
@@ -2067,7 +2077,7 @@
           </a:lstStyle>
           <a:p>
             <a:r>
-              <a:rPr lang="en-US" smtClean="0"/>
+              <a:rPr lang="en-US"/>
               <a:t>Click to edit Master title style</a:t>
             </a:r>
             <a:endParaRPr lang="en-US" dirty="0"/>
@@ -2135,7 +2145,7 @@
           <a:p>
             <a:pPr lvl="0"/>
             <a:r>
-              <a:rPr lang="en-US" smtClean="0"/>
+              <a:rPr lang="en-US"/>
               <a:t>Click to edit Master text styles</a:t>
             </a:r>
           </a:p>
@@ -2228,38 +2238,37 @@
           <a:p>
             <a:pPr lvl="0"/>
             <a:r>
-              <a:rPr lang="en-US" smtClean="0"/>
+              <a:rPr lang="en-US"/>
               <a:t>Click to edit Master text styles</a:t>
             </a:r>
           </a:p>
           <a:p>
             <a:pPr lvl="1"/>
             <a:r>
-              <a:rPr lang="en-US" smtClean="0"/>
+              <a:rPr lang="en-US"/>
               <a:t>Second level</a:t>
             </a:r>
           </a:p>
           <a:p>
             <a:pPr lvl="2"/>
             <a:r>
-              <a:rPr lang="en-US" smtClean="0"/>
+              <a:rPr lang="en-US"/>
               <a:t>Third level</a:t>
             </a:r>
           </a:p>
           <a:p>
             <a:pPr lvl="3"/>
             <a:r>
-              <a:rPr lang="en-US" smtClean="0"/>
+              <a:rPr lang="en-US"/>
               <a:t>Fourth level</a:t>
             </a:r>
           </a:p>
           <a:p>
             <a:pPr lvl="4"/>
             <a:r>
-              <a:rPr lang="en-US" smtClean="0"/>
+              <a:rPr lang="en-US"/>
               <a:t>Fifth level</a:t>
             </a:r>
-            <a:endParaRPr lang="en-US"/>
           </a:p>
         </p:txBody>
       </p:sp>
@@ -2320,7 +2329,7 @@
           </a:lstStyle>
           <a:p>
             <a:r>
-              <a:rPr lang="en-US" smtClean="0"/>
+              <a:rPr lang="en-US"/>
               <a:t>Click to edit Master title style</a:t>
             </a:r>
             <a:endParaRPr lang="en-US" dirty="0"/>
@@ -2385,7 +2394,7 @@
           </a:lstStyle>
           <a:p>
             <a:r>
-              <a:rPr lang="en-US" smtClean="0"/>
+              <a:rPr lang="en-US"/>
               <a:t>Click icon to add picture</a:t>
             </a:r>
             <a:endParaRPr lang="en-US" dirty="0"/>
@@ -2453,7 +2462,7 @@
           <a:p>
             <a:pPr lvl="0"/>
             <a:r>
-              <a:rPr lang="en-US" smtClean="0"/>
+              <a:rPr lang="en-US"/>
               <a:t>Click to edit Master text styles</a:t>
             </a:r>
           </a:p>
@@ -2580,7 +2589,7 @@
           <a:lstStyle/>
           <a:p>
             <a:r>
-              <a:rPr lang="en-US" smtClean="0"/>
+              <a:rPr lang="en-US"/>
               <a:t>Click to edit Master title style</a:t>
             </a:r>
             <a:endParaRPr lang="en-US" dirty="0"/>
@@ -2614,35 +2623,35 @@
           <a:p>
             <a:pPr lvl="0"/>
             <a:r>
-              <a:rPr lang="en-US" smtClean="0"/>
+              <a:rPr lang="en-US"/>
               <a:t>Click to edit Master text styles</a:t>
             </a:r>
           </a:p>
           <a:p>
             <a:pPr lvl="1"/>
             <a:r>
-              <a:rPr lang="en-US" smtClean="0"/>
+              <a:rPr lang="en-US"/>
               <a:t>Second level</a:t>
             </a:r>
           </a:p>
           <a:p>
             <a:pPr lvl="2"/>
             <a:r>
-              <a:rPr lang="en-US" smtClean="0"/>
+              <a:rPr lang="en-US"/>
               <a:t>Third level</a:t>
             </a:r>
           </a:p>
           <a:p>
             <a:pPr lvl="3"/>
             <a:r>
-              <a:rPr lang="en-US" smtClean="0"/>
+              <a:rPr lang="en-US"/>
               <a:t>Fourth level</a:t>
             </a:r>
           </a:p>
           <a:p>
             <a:pPr lvl="4"/>
             <a:r>
-              <a:rPr lang="en-US" smtClean="0"/>
+              <a:rPr lang="en-US"/>
               <a:t>Fifth level</a:t>
             </a:r>
             <a:endParaRPr lang="en-US" dirty="0"/>
@@ -3202,7 +3211,6 @@
               <a:rPr lang="en-IN" b="1" dirty="0"/>
               <a:t>Bug Tracing System</a:t>
             </a:r>
-            <a:endParaRPr lang="en-IN" b="1" dirty="0"/>
           </a:p>
         </p:txBody>
       </p:sp>
@@ -3235,13 +3243,208 @@
   <p:clrMapOvr>
     <a:masterClrMapping/>
   </p:clrMapOvr>
-  <p:timing>
-    <p:tnLst>
-      <p:par>
-        <p:cTn id="1" dur="indefinite" restart="never" nodeType="tmRoot"/>
-      </p:par>
-    </p:tnLst>
-  </p:timing>
+</p:sld>
+</file>
+
+<file path=ppt/slides/slide10.xml><?xml version="1.0" encoding="utf-8"?>
+<p:sld xmlns:a="http://schemas.openxmlformats.org/drawingml/2006/main" xmlns:r="http://schemas.openxmlformats.org/officeDocument/2006/relationships" xmlns:p="http://schemas.openxmlformats.org/presentationml/2006/main">
+  <p:cSld>
+    <p:spTree>
+      <p:nvGrpSpPr>
+        <p:cNvPr id="1" name=""/>
+        <p:cNvGrpSpPr/>
+        <p:nvPr/>
+      </p:nvGrpSpPr>
+      <p:grpSpPr>
+        <a:xfrm>
+          <a:off x="0" y="0"/>
+          <a:ext cx="0" cy="0"/>
+          <a:chOff x="0" y="0"/>
+          <a:chExt cx="0" cy="0"/>
+        </a:xfrm>
+      </p:grpSpPr>
+      <p:pic>
+        <p:nvPicPr>
+          <p:cNvPr id="4" name="Picture 3">
+            <a:extLst>
+              <a:ext uri="{FF2B5EF4-FFF2-40B4-BE49-F238E27FC236}">
+                <a16:creationId xmlns:a16="http://schemas.microsoft.com/office/drawing/2014/main" id="{A689E758-17DE-A4B4-4221-C9BA967BB37C}"/>
+              </a:ext>
+            </a:extLst>
+          </p:cNvPr>
+          <p:cNvPicPr>
+            <a:picLocks noChangeAspect="1"/>
+          </p:cNvPicPr>
+          <p:nvPr/>
+        </p:nvPicPr>
+        <p:blipFill>
+          <a:blip r:embed="rId2">
+            <a:extLst>
+              <a:ext uri="{28A0092B-C50C-407E-A947-70E740481C1C}">
+                <a14:useLocalDpi xmlns:a14="http://schemas.microsoft.com/office/drawing/2010/main" val="0"/>
+              </a:ext>
+            </a:extLst>
+          </a:blip>
+          <a:stretch>
+            <a:fillRect/>
+          </a:stretch>
+        </p:blipFill>
+        <p:spPr>
+          <a:xfrm>
+            <a:off x="755576" y="1916832"/>
+            <a:ext cx="6696744" cy="4464496"/>
+          </a:xfrm>
+          <a:prstGeom prst="rect">
+            <a:avLst/>
+          </a:prstGeom>
+        </p:spPr>
+      </p:pic>
+      <p:sp>
+        <p:nvSpPr>
+          <p:cNvPr id="5" name="Title 1">
+            <a:extLst>
+              <a:ext uri="{FF2B5EF4-FFF2-40B4-BE49-F238E27FC236}">
+                <a16:creationId xmlns:a16="http://schemas.microsoft.com/office/drawing/2014/main" id="{4DFDEA37-6975-8F69-60EF-49A3A197B504}"/>
+              </a:ext>
+            </a:extLst>
+          </p:cNvPr>
+          <p:cNvSpPr>
+            <a:spLocks noGrp="1"/>
+          </p:cNvSpPr>
+          <p:nvPr>
+            <p:ph type="title"/>
+          </p:nvPr>
+        </p:nvSpPr>
+        <p:spPr>
+          <a:xfrm>
+            <a:off x="457200" y="255977"/>
+            <a:ext cx="7620000" cy="1143000"/>
+          </a:xfrm>
+        </p:spPr>
+        <p:txBody>
+          <a:bodyPr/>
+          <a:lstStyle/>
+          <a:p>
+            <a:r>
+              <a:rPr lang="en-US" dirty="0"/>
+              <a:t>Tester Control</a:t>
+            </a:r>
+            <a:endParaRPr lang="en-IN" dirty="0"/>
+          </a:p>
+        </p:txBody>
+      </p:sp>
+    </p:spTree>
+    <p:extLst>
+      <p:ext uri="{BB962C8B-B14F-4D97-AF65-F5344CB8AC3E}">
+        <p14:creationId xmlns:p14="http://schemas.microsoft.com/office/powerpoint/2010/main" val="3946589291"/>
+      </p:ext>
+    </p:extLst>
+  </p:cSld>
+  <p:clrMapOvr>
+    <a:masterClrMapping/>
+  </p:clrMapOvr>
+</p:sld>
+</file>
+
+<file path=ppt/slides/slide11.xml><?xml version="1.0" encoding="utf-8"?>
+<p:sld xmlns:a="http://schemas.openxmlformats.org/drawingml/2006/main" xmlns:r="http://schemas.openxmlformats.org/officeDocument/2006/relationships" xmlns:p="http://schemas.openxmlformats.org/presentationml/2006/main">
+  <p:cSld>
+    <p:spTree>
+      <p:nvGrpSpPr>
+        <p:cNvPr id="1" name=""/>
+        <p:cNvGrpSpPr/>
+        <p:nvPr/>
+      </p:nvGrpSpPr>
+      <p:grpSpPr>
+        <a:xfrm>
+          <a:off x="0" y="0"/>
+          <a:ext cx="0" cy="0"/>
+          <a:chOff x="0" y="0"/>
+          <a:chExt cx="0" cy="0"/>
+        </a:xfrm>
+      </p:grpSpPr>
+      <p:sp>
+        <p:nvSpPr>
+          <p:cNvPr id="2" name="Title 1">
+            <a:extLst>
+              <a:ext uri="{FF2B5EF4-FFF2-40B4-BE49-F238E27FC236}">
+                <a16:creationId xmlns:a16="http://schemas.microsoft.com/office/drawing/2014/main" id="{DDE4AE06-EC94-8CEC-BD09-133DF05AD1EC}"/>
+              </a:ext>
+            </a:extLst>
+          </p:cNvPr>
+          <p:cNvSpPr>
+            <a:spLocks noGrp="1"/>
+          </p:cNvSpPr>
+          <p:nvPr>
+            <p:ph type="title"/>
+          </p:nvPr>
+        </p:nvSpPr>
+        <p:spPr>
+          <a:xfrm>
+            <a:off x="457200" y="255977"/>
+            <a:ext cx="7620000" cy="1143000"/>
+          </a:xfrm>
+        </p:spPr>
+        <p:txBody>
+          <a:bodyPr/>
+          <a:lstStyle/>
+          <a:p>
+            <a:r>
+              <a:rPr lang="en-US" dirty="0"/>
+              <a:t>Developer Control</a:t>
+            </a:r>
+            <a:endParaRPr lang="en-IN" dirty="0"/>
+          </a:p>
+        </p:txBody>
+      </p:sp>
+      <p:pic>
+        <p:nvPicPr>
+          <p:cNvPr id="4" name="Content Placeholder 3">
+            <a:extLst>
+              <a:ext uri="{FF2B5EF4-FFF2-40B4-BE49-F238E27FC236}">
+                <a16:creationId xmlns:a16="http://schemas.microsoft.com/office/drawing/2014/main" id="{C6E92B0E-724E-F00E-80F5-50F9EB879875}"/>
+              </a:ext>
+            </a:extLst>
+          </p:cNvPr>
+          <p:cNvPicPr>
+            <a:picLocks noGrp="1" noChangeAspect="1"/>
+          </p:cNvPicPr>
+          <p:nvPr>
+            <p:ph idx="1"/>
+          </p:nvPr>
+        </p:nvPicPr>
+        <p:blipFill>
+          <a:blip r:embed="rId2">
+            <a:extLst>
+              <a:ext uri="{28A0092B-C50C-407E-A947-70E740481C1C}">
+                <a14:useLocalDpi xmlns:a14="http://schemas.microsoft.com/office/drawing/2010/main" val="0"/>
+              </a:ext>
+            </a:extLst>
+          </a:blip>
+          <a:stretch>
+            <a:fillRect/>
+          </a:stretch>
+        </p:blipFill>
+        <p:spPr>
+          <a:xfrm>
+            <a:off x="533584" y="2132856"/>
+            <a:ext cx="6924583" cy="3145135"/>
+          </a:xfrm>
+          <a:prstGeom prst="rect">
+            <a:avLst/>
+          </a:prstGeom>
+        </p:spPr>
+      </p:pic>
+    </p:spTree>
+    <p:extLst>
+      <p:ext uri="{BB962C8B-B14F-4D97-AF65-F5344CB8AC3E}">
+        <p14:creationId xmlns:p14="http://schemas.microsoft.com/office/powerpoint/2010/main" val="3276634736"/>
+      </p:ext>
+    </p:extLst>
+  </p:cSld>
+  <p:clrMapOvr>
+    <a:masterClrMapping/>
+  </p:clrMapOvr>
 </p:sld>
 </file>
 
@@ -3281,7 +3484,6 @@
               <a:rPr lang="en-IN" b="1" dirty="0"/>
               <a:t>Content</a:t>
             </a:r>
-            <a:endParaRPr lang="en-IN" b="1" dirty="0"/>
           </a:p>
         </p:txBody>
       </p:sp>
@@ -3315,12 +3517,8 @@
               <a:buChar char="v"/>
             </a:pPr>
             <a:r>
-              <a:rPr lang="en-IN" sz="2360" dirty="0" smtClean="0"/>
-              <a:t>Application </a:t>
-            </a:r>
-            <a:r>
               <a:rPr lang="en-IN" sz="2360" dirty="0"/>
-              <a:t>Features</a:t>
+              <a:t>Application Features</a:t>
             </a:r>
           </a:p>
           <a:p>
@@ -3330,11 +3528,7 @@
             </a:pPr>
             <a:r>
               <a:rPr lang="en-IN" sz="2360" dirty="0"/>
-              <a:t>UI </a:t>
-            </a:r>
-            <a:r>
-              <a:rPr lang="en-IN" sz="2360" dirty="0" smtClean="0"/>
-              <a:t>Snapshots</a:t>
+              <a:t>UI Snapshots</a:t>
             </a:r>
           </a:p>
           <a:p>
@@ -3343,18 +3537,9 @@
               <a:buChar char="v"/>
             </a:pPr>
             <a:r>
-              <a:rPr lang="en-IN" sz="2360" dirty="0" smtClean="0"/>
-              <a:t>Concepts </a:t>
-            </a:r>
-            <a:r>
               <a:rPr lang="en-IN" sz="2360" dirty="0"/>
-              <a:t>&amp; </a:t>
-            </a:r>
-            <a:r>
-              <a:rPr lang="en-IN" sz="2360" dirty="0" smtClean="0"/>
-              <a:t>Tools</a:t>
-            </a:r>
-            <a:endParaRPr lang="en-IN" sz="2360" dirty="0"/>
+              <a:t>Concepts &amp; Tools</a:t>
+            </a:r>
           </a:p>
           <a:p>
             <a:pPr>
@@ -3362,10 +3547,9 @@
               <a:buChar char="v"/>
             </a:pPr>
             <a:r>
-              <a:rPr lang="en-IN" sz="2360" dirty="0" smtClean="0"/>
+              <a:rPr lang="en-IN" sz="2360" dirty="0"/>
               <a:t>Team Members</a:t>
             </a:r>
-            <a:endParaRPr lang="en-IN" sz="2360" dirty="0"/>
           </a:p>
           <a:p>
             <a:pPr>
@@ -3386,13 +3570,6 @@
   <p:clrMapOvr>
     <a:masterClrMapping/>
   </p:clrMapOvr>
-  <p:timing>
-    <p:tnLst>
-      <p:par>
-        <p:cTn id="1" dur="indefinite" restart="never" nodeType="tmRoot"/>
-      </p:par>
-    </p:tnLst>
-  </p:timing>
 </p:sld>
 </file>
 
@@ -3429,7 +3606,7 @@
           <a:lstStyle/>
           <a:p>
             <a:r>
-              <a:rPr lang="en-US" dirty="0" smtClean="0"/>
+              <a:rPr lang="en-US" dirty="0"/>
               <a:t>Introduction</a:t>
             </a:r>
             <a:endParaRPr lang="en-IN" dirty="0"/>
@@ -3479,13 +3656,6 @@
   <p:clrMapOvr>
     <a:masterClrMapping/>
   </p:clrMapOvr>
-  <p:timing>
-    <p:tnLst>
-      <p:par>
-        <p:cTn id="1" dur="indefinite" restart="never" nodeType="tmRoot"/>
-      </p:par>
-    </p:tnLst>
-  </p:timing>
 </p:sld>
 </file>
 
@@ -3522,20 +3692,8 @@
           <a:lstStyle/>
           <a:p>
             <a:r>
-              <a:rPr lang="en-IN" dirty="0" smtClean="0"/>
-              <a:t>Content </a:t>
-            </a:r>
-            <a:r>
               <a:rPr lang="en-IN" dirty="0"/>
-              <a:t>&amp; </a:t>
-            </a:r>
-            <a:r>
-              <a:rPr lang="en-IN" dirty="0" smtClean="0"/>
-              <a:t>Tools</a:t>
-            </a:r>
-            <a:r>
-              <a:rPr lang="en-IN" dirty="0"/>
-              <a:t/>
+              <a:t>Content &amp; Tools</a:t>
             </a:r>
             <a:br>
               <a:rPr lang="en-IN" dirty="0"/>
@@ -3570,22 +3728,18 @@
               <a:buNone/>
             </a:pPr>
             <a:r>
-              <a:rPr lang="en-US" sz="3000" b="1" dirty="0" err="1" smtClean="0"/>
+              <a:rPr lang="en-US" sz="3000" b="1" dirty="0" err="1"/>
               <a:t>Github</a:t>
             </a:r>
-            <a:endParaRPr lang="en-US" sz="3000" b="1" dirty="0" smtClean="0"/>
+            <a:endParaRPr lang="en-US" sz="3000" b="1" dirty="0"/>
           </a:p>
           <a:p>
             <a:endParaRPr lang="en-IN" dirty="0"/>
           </a:p>
           <a:p>
             <a:r>
-              <a:rPr lang="en-US" dirty="0" smtClean="0"/>
-              <a:t>Code </a:t>
-            </a:r>
-            <a:r>
               <a:rPr lang="en-US" dirty="0"/>
-              <a:t>Hosting: You can host your </a:t>
+              <a:t>Code Hosting: You can host your </a:t>
             </a:r>
             <a:r>
               <a:rPr lang="en-US" dirty="0" err="1"/>
@@ -3614,12 +3768,8 @@
           </a:p>
           <a:p>
             <a:r>
-              <a:rPr lang="en-US" dirty="0" smtClean="0"/>
-              <a:t>Collaboration</a:t>
-            </a:r>
-            <a:r>
               <a:rPr lang="en-US" dirty="0"/>
-              <a:t>: </a:t>
+              <a:t>Collaboration: </a:t>
             </a:r>
             <a:r>
               <a:rPr lang="en-US" dirty="0" err="1"/>
@@ -3632,12 +3782,8 @@
           </a:p>
           <a:p>
             <a:r>
-              <a:rPr lang="en-US" dirty="0" smtClean="0"/>
-              <a:t>Pull </a:t>
-            </a:r>
-            <a:r>
               <a:rPr lang="en-US" dirty="0"/>
-              <a:t>Requests: </a:t>
+              <a:t>Pull Requests: </a:t>
             </a:r>
             <a:r>
               <a:rPr lang="en-US" dirty="0" err="1"/>
@@ -3650,12 +3796,8 @@
           </a:p>
           <a:p>
             <a:r>
-              <a:rPr lang="en-US" dirty="0" smtClean="0"/>
-              <a:t>Code </a:t>
-            </a:r>
-            <a:r>
               <a:rPr lang="en-US" dirty="0"/>
-              <a:t>Review: </a:t>
+              <a:t>Code Review: </a:t>
             </a:r>
             <a:r>
               <a:rPr lang="en-US" dirty="0" err="1"/>
@@ -3685,13 +3827,6 @@
   <p:clrMapOvr>
     <a:masterClrMapping/>
   </p:clrMapOvr>
-  <p:timing>
-    <p:tnLst>
-      <p:par>
-        <p:cTn id="1" dur="indefinite" restart="never" nodeType="tmRoot"/>
-      </p:par>
-    </p:tnLst>
-  </p:timing>
 </p:sld>
 </file>
 
@@ -3756,10 +3891,9 @@
               <a:buNone/>
             </a:pPr>
             <a:r>
-              <a:rPr lang="en-IN" b="1" dirty="0" smtClean="0"/>
+              <a:rPr lang="en-IN" b="1" dirty="0"/>
               <a:t>HTML</a:t>
             </a:r>
-            <a:endParaRPr lang="en-IN" b="1" dirty="0"/>
           </a:p>
           <a:p>
             <a:pPr marL="114300" indent="0">
@@ -3767,11 +3901,7 @@
             </a:pPr>
             <a:r>
               <a:rPr lang="en-US" dirty="0"/>
-              <a:t>HTML is a markup language used to create and format documents on the World Wide Web. It consists of a set of elements enclosed in angle brackets ("&lt;" and "&gt;") that define the structure and content of a web page. Each HTML element serves a specific purpose, and web browsers interpret these elements to display web content</a:t>
-            </a:r>
-            <a:r>
-              <a:rPr lang="en-US" dirty="0" smtClean="0"/>
-              <a:t>.</a:t>
+              <a:t>HTML is a markup language used to create and format documents on the World Wide Web. It consists of a set of elements enclosed in angle brackets ("&lt;" and "&gt;") that define the structure and content of a web page. Each HTML element serves a specific purpose, and web browsers interpret these elements to display web content.</a:t>
             </a:r>
           </a:p>
           <a:p>
@@ -3819,13 +3949,6 @@
   <p:clrMapOvr>
     <a:masterClrMapping/>
   </p:clrMapOvr>
-  <p:timing>
-    <p:tnLst>
-      <p:par>
-        <p:cTn id="1" dur="indefinite" restart="never" nodeType="tmRoot"/>
-      </p:par>
-    </p:tnLst>
-  </p:timing>
 </p:sld>
 </file>
 
@@ -3884,10 +4007,9 @@
               <a:buNone/>
             </a:pPr>
             <a:r>
-              <a:rPr lang="en-IN" b="1" dirty="0" smtClean="0"/>
+              <a:rPr lang="en-IN" b="1" dirty="0"/>
               <a:t>JAVASCRIPT</a:t>
             </a:r>
-            <a:endParaRPr lang="en-IN" b="1" dirty="0"/>
           </a:p>
           <a:p>
             <a:pPr marL="114300" indent="0">
@@ -3911,13 +4033,6 @@
   <p:clrMapOvr>
     <a:masterClrMapping/>
   </p:clrMapOvr>
-  <p:timing>
-    <p:tnLst>
-      <p:par>
-        <p:cTn id="1" dur="indefinite" restart="never" nodeType="tmRoot"/>
-      </p:par>
-    </p:tnLst>
-  </p:timing>
 </p:sld>
 </file>
 
@@ -3954,12 +4069,8 @@
           <a:lstStyle/>
           <a:p>
             <a:r>
-              <a:rPr lang="en-IN" dirty="0" smtClean="0"/>
+              <a:rPr lang="en-IN" dirty="0"/>
               <a:t>Back-End</a:t>
-            </a:r>
-            <a:r>
-              <a:rPr lang="en-IN" dirty="0"/>
-              <a:t/>
             </a:r>
             <a:br>
               <a:rPr lang="en-IN" dirty="0"/>
@@ -3987,22 +4098,17 @@
               <a:buNone/>
             </a:pPr>
             <a:r>
-              <a:rPr lang="en-US" b="1" dirty="0" smtClean="0"/>
+              <a:rPr lang="en-US" b="1" dirty="0"/>
               <a:t>JAVA</a:t>
             </a:r>
-            <a:endParaRPr lang="en-US" b="1" dirty="0"/>
           </a:p>
           <a:p>
             <a:pPr marL="114300" indent="0">
               <a:buNone/>
             </a:pPr>
             <a:r>
-              <a:rPr lang="en-US" dirty="0" smtClean="0"/>
-              <a:t>Java </a:t>
-            </a:r>
-            <a:r>
               <a:rPr lang="en-US" dirty="0"/>
-              <a:t>is a popular choice for backend development, especially for building server-side applications, web services, and </a:t>
+              <a:t>Java is a popular choice for backend development, especially for building server-side applications, web services, and </a:t>
             </a:r>
             <a:r>
               <a:rPr lang="en-US" dirty="0" err="1"/>
@@ -4028,13 +4134,6 @@
   <p:clrMapOvr>
     <a:masterClrMapping/>
   </p:clrMapOvr>
-  <p:timing>
-    <p:tnLst>
-      <p:par>
-        <p:cTn id="1" dur="indefinite" restart="never" nodeType="tmRoot"/>
-      </p:par>
-    </p:tnLst>
-  </p:timing>
 </p:sld>
 </file>
 
@@ -4071,12 +4170,8 @@
           <a:lstStyle/>
           <a:p>
             <a:r>
-              <a:rPr lang="en-IN" dirty="0" smtClean="0"/>
+              <a:rPr lang="en-IN" dirty="0"/>
               <a:t>Team Member</a:t>
-            </a:r>
-            <a:r>
-              <a:rPr lang="en-IN" dirty="0"/>
-              <a:t/>
             </a:r>
             <a:br>
               <a:rPr lang="en-IN" dirty="0"/>
@@ -4106,11 +4201,11 @@
           <a:lstStyle/>
           <a:p>
             <a:r>
-              <a:rPr lang="en-IN" b="1" dirty="0" smtClean="0"/>
+              <a:rPr lang="en-IN" b="1" dirty="0"/>
               <a:t>FRONT-END</a:t>
             </a:r>
             <a:r>
-              <a:rPr lang="en-IN" dirty="0" smtClean="0"/>
+              <a:rPr lang="en-IN" dirty="0"/>
               <a:t>                                         </a:t>
             </a:r>
           </a:p>
@@ -4119,7 +4214,7 @@
               <a:buNone/>
             </a:pPr>
             <a:r>
-              <a:rPr lang="en-IN" dirty="0" smtClean="0"/>
+              <a:rPr lang="en-IN" dirty="0"/>
               <a:t>1.AKASH K.R</a:t>
             </a:r>
           </a:p>
@@ -4128,44 +4223,30 @@
               <a:buNone/>
             </a:pPr>
             <a:r>
-              <a:rPr lang="en-IN" dirty="0" smtClean="0"/>
-              <a:t>2.KARTAVYA </a:t>
-            </a:r>
-            <a:r>
               <a:rPr lang="en-IN" dirty="0"/>
-              <a:t>CHAUHAN </a:t>
-            </a:r>
-            <a:endParaRPr lang="en-IN" dirty="0" smtClean="0"/>
+              <a:t>2.KARTAVYA CHAUHAN </a:t>
+            </a:r>
           </a:p>
           <a:p>
             <a:pPr marL="114300" indent="0">
               <a:buNone/>
             </a:pPr>
             <a:r>
-              <a:rPr lang="en-IN" dirty="0" smtClean="0"/>
-              <a:t>3.SUNISHA </a:t>
-            </a:r>
-            <a:r>
               <a:rPr lang="en-IN" dirty="0"/>
-              <a:t>RAINA </a:t>
-            </a:r>
-            <a:endParaRPr lang="en-IN" dirty="0" smtClean="0"/>
+              <a:t>3.SUNISHA RAINA </a:t>
+            </a:r>
           </a:p>
           <a:p>
             <a:pPr marL="114300" indent="0">
               <a:buNone/>
             </a:pPr>
             <a:r>
-              <a:rPr lang="en-IN" dirty="0" smtClean="0"/>
-              <a:t>4.VEDANGI </a:t>
-            </a:r>
-            <a:r>
               <a:rPr lang="en-IN" dirty="0"/>
-              <a:t>DHOLE</a:t>
-            </a:r>
-          </a:p>
-          <a:p>
-            <a:endParaRPr lang="en-US" dirty="0" smtClean="0"/>
+              <a:t>4.VEDANGI DHOLE</a:t>
+            </a:r>
+          </a:p>
+          <a:p>
+            <a:endParaRPr lang="en-US" dirty="0"/>
           </a:p>
           <a:p>
             <a:r>
@@ -4181,19 +4262,14 @@
               <a:rPr lang="en-IN" dirty="0"/>
               <a:t>1.ASHUTOSH DUBEY </a:t>
             </a:r>
-            <a:endParaRPr lang="en-IN" dirty="0" smtClean="0"/>
           </a:p>
           <a:p>
             <a:pPr marL="114300" indent="0">
               <a:buNone/>
             </a:pPr>
             <a:r>
-              <a:rPr lang="en-IN" dirty="0" smtClean="0"/>
-              <a:t>2.ANSHITA </a:t>
-            </a:r>
-            <a:r>
               <a:rPr lang="en-IN" dirty="0"/>
-              <a:t>JAIN</a:t>
+              <a:t>2.ANSHITA JAIN</a:t>
             </a:r>
           </a:p>
           <a:p>
@@ -4229,13 +4305,105 @@
   <p:clrMapOvr>
     <a:masterClrMapping/>
   </p:clrMapOvr>
-  <p:timing>
-    <p:tnLst>
-      <p:par>
-        <p:cTn id="1" dur="indefinite" restart="never" nodeType="tmRoot"/>
-      </p:par>
-    </p:tnLst>
-  </p:timing>
+</p:sld>
+</file>
+
+<file path=ppt/slides/slide9.xml><?xml version="1.0" encoding="utf-8"?>
+<p:sld xmlns:a="http://schemas.openxmlformats.org/drawingml/2006/main" xmlns:r="http://schemas.openxmlformats.org/officeDocument/2006/relationships" xmlns:p="http://schemas.openxmlformats.org/presentationml/2006/main">
+  <p:cSld>
+    <p:spTree>
+      <p:nvGrpSpPr>
+        <p:cNvPr id="1" name=""/>
+        <p:cNvGrpSpPr/>
+        <p:nvPr/>
+      </p:nvGrpSpPr>
+      <p:grpSpPr>
+        <a:xfrm>
+          <a:off x="0" y="0"/>
+          <a:ext cx="0" cy="0"/>
+          <a:chOff x="0" y="0"/>
+          <a:chExt cx="0" cy="0"/>
+        </a:xfrm>
+      </p:grpSpPr>
+      <p:pic>
+        <p:nvPicPr>
+          <p:cNvPr id="5" name="Content Placeholder 4">
+            <a:extLst>
+              <a:ext uri="{FF2B5EF4-FFF2-40B4-BE49-F238E27FC236}">
+                <a16:creationId xmlns:a16="http://schemas.microsoft.com/office/drawing/2014/main" id="{CB1BEDA8-35AC-50A4-3A0F-AF1B8ACDC069}"/>
+              </a:ext>
+            </a:extLst>
+          </p:cNvPr>
+          <p:cNvPicPr>
+            <a:picLocks noGrp="1" noChangeAspect="1"/>
+          </p:cNvPicPr>
+          <p:nvPr>
+            <p:ph idx="1"/>
+          </p:nvPr>
+        </p:nvPicPr>
+        <p:blipFill>
+          <a:blip r:embed="rId2">
+            <a:extLst>
+              <a:ext uri="{28A0092B-C50C-407E-A947-70E740481C1C}">
+                <a14:useLocalDpi xmlns:a14="http://schemas.microsoft.com/office/drawing/2010/main" val="0"/>
+              </a:ext>
+            </a:extLst>
+          </a:blip>
+          <a:stretch>
+            <a:fillRect/>
+          </a:stretch>
+        </p:blipFill>
+        <p:spPr>
+          <a:xfrm>
+            <a:off x="899592" y="1844824"/>
+            <a:ext cx="6171848" cy="4464496"/>
+          </a:xfrm>
+        </p:spPr>
+      </p:pic>
+      <p:sp>
+        <p:nvSpPr>
+          <p:cNvPr id="10" name="Title 1">
+            <a:extLst>
+              <a:ext uri="{FF2B5EF4-FFF2-40B4-BE49-F238E27FC236}">
+                <a16:creationId xmlns:a16="http://schemas.microsoft.com/office/drawing/2014/main" id="{F368AE9C-252A-1854-79C5-FABD6B76BA90}"/>
+              </a:ext>
+            </a:extLst>
+          </p:cNvPr>
+          <p:cNvSpPr>
+            <a:spLocks noGrp="1"/>
+          </p:cNvSpPr>
+          <p:nvPr>
+            <p:ph type="title"/>
+          </p:nvPr>
+        </p:nvSpPr>
+        <p:spPr>
+          <a:xfrm>
+            <a:off x="457200" y="255977"/>
+            <a:ext cx="7620000" cy="1143000"/>
+          </a:xfrm>
+        </p:spPr>
+        <p:txBody>
+          <a:bodyPr/>
+          <a:lstStyle/>
+          <a:p>
+            <a:r>
+              <a:rPr lang="en-US" dirty="0"/>
+              <a:t>Project Manager Control</a:t>
+            </a:r>
+            <a:endParaRPr lang="en-IN" dirty="0"/>
+          </a:p>
+        </p:txBody>
+      </p:sp>
+    </p:spTree>
+    <p:extLst>
+      <p:ext uri="{BB962C8B-B14F-4D97-AF65-F5344CB8AC3E}">
+        <p14:creationId xmlns:p14="http://schemas.microsoft.com/office/powerpoint/2010/main" val="3209919949"/>
+      </p:ext>
+    </p:extLst>
+  </p:cSld>
+  <p:clrMapOvr>
+    <a:masterClrMapping/>
+  </p:clrMapOvr>
 </p:sld>
 </file>
 
